--- a/ppt 16-9/0668.我走生命路上.pptx
+++ b/ppt 16-9/0668.我走生命路上.pptx
@@ -5,7 +5,7 @@
     <p:sldMasterId id="2147483648" r:id="rId1"/>
   </p:sldMasterIdLst>
   <p:sldIdLst>
-    <p:sldId id="2474" r:id="rId2"/>
+    <p:sldId id="2476" r:id="rId2"/>
   </p:sldIdLst>
   <p:sldSz cx="12192000" cy="6858000"/>
   <p:notesSz cx="6858000" cy="9144000"/>
@@ -129,7 +129,7 @@
           <p:cNvPr id="2" name="标题 1">
             <a:extLst>
               <a:ext uri="{FF2B5EF4-FFF2-40B4-BE49-F238E27FC236}">
-                <a16:creationId xmlns:a16="http://schemas.microsoft.com/office/drawing/2014/main" id="{80B153B5-A69B-B0B4-746F-0D887D509C45}"/>
+                <a16:creationId xmlns:a16="http://schemas.microsoft.com/office/drawing/2014/main" id="{87B6E22B-B04B-1FE0-E31F-6D2076C6281D}"/>
               </a:ext>
             </a:extLst>
           </p:cNvPr>
@@ -166,7 +166,7 @@
           <p:cNvPr id="3" name="副标题 2">
             <a:extLst>
               <a:ext uri="{FF2B5EF4-FFF2-40B4-BE49-F238E27FC236}">
-                <a16:creationId xmlns:a16="http://schemas.microsoft.com/office/drawing/2014/main" id="{026C5A0E-4B8A-F386-A365-97DF07028C73}"/>
+                <a16:creationId xmlns:a16="http://schemas.microsoft.com/office/drawing/2014/main" id="{B81768DB-C495-7660-6004-5C0AB6B79128}"/>
               </a:ext>
             </a:extLst>
           </p:cNvPr>
@@ -236,7 +236,7 @@
           <p:cNvPr id="4" name="日期占位符 3">
             <a:extLst>
               <a:ext uri="{FF2B5EF4-FFF2-40B4-BE49-F238E27FC236}">
-                <a16:creationId xmlns:a16="http://schemas.microsoft.com/office/drawing/2014/main" id="{36035C44-7170-085E-9F97-45663C5C0CE9}"/>
+                <a16:creationId xmlns:a16="http://schemas.microsoft.com/office/drawing/2014/main" id="{D4C63F5C-6CD0-5CFF-A24A-D2BBC6BE8D7A}"/>
               </a:ext>
             </a:extLst>
           </p:cNvPr>
@@ -252,7 +252,7 @@
           <a:bodyPr/>
           <a:lstStyle/>
           <a:p>
-            <a:fld id="{4BCD6AC4-AAE9-4E89-B260-936F8E47EFC8}" type="datetimeFigureOut">
+            <a:fld id="{67151145-EEB1-4F96-91B0-80295A70C431}" type="datetimeFigureOut">
               <a:rPr lang="zh-CN" altLang="en-US" smtClean="0"/>
               <a:t>2024/3/10</a:t>
             </a:fld>
@@ -265,7 +265,7 @@
           <p:cNvPr id="5" name="页脚占位符 4">
             <a:extLst>
               <a:ext uri="{FF2B5EF4-FFF2-40B4-BE49-F238E27FC236}">
-                <a16:creationId xmlns:a16="http://schemas.microsoft.com/office/drawing/2014/main" id="{92434F70-DA82-7F63-37E1-772699B51337}"/>
+                <a16:creationId xmlns:a16="http://schemas.microsoft.com/office/drawing/2014/main" id="{51E6DA39-4EF5-9980-0140-116A750E4867}"/>
               </a:ext>
             </a:extLst>
           </p:cNvPr>
@@ -290,7 +290,7 @@
           <p:cNvPr id="6" name="灯片编号占位符 5">
             <a:extLst>
               <a:ext uri="{FF2B5EF4-FFF2-40B4-BE49-F238E27FC236}">
-                <a16:creationId xmlns:a16="http://schemas.microsoft.com/office/drawing/2014/main" id="{EE333FF2-0A00-4C01-ECE1-C6AD8789C913}"/>
+                <a16:creationId xmlns:a16="http://schemas.microsoft.com/office/drawing/2014/main" id="{88F62DE0-F9BF-981F-281E-6AEBF725C9C2}"/>
               </a:ext>
             </a:extLst>
           </p:cNvPr>
@@ -306,7 +306,7 @@
           <a:bodyPr/>
           <a:lstStyle/>
           <a:p>
-            <a:fld id="{B3EB4BBC-15E7-4DA4-B632-5EBA6383D660}" type="slidenum">
+            <a:fld id="{F903B255-4A6D-4C5C-9809-B1B02D34C377}" type="slidenum">
               <a:rPr lang="zh-CN" altLang="en-US" smtClean="0"/>
               <a:t>‹#›</a:t>
             </a:fld>
@@ -317,7 +317,7 @@
     </p:spTree>
     <p:extLst>
       <p:ext uri="{BB962C8B-B14F-4D97-AF65-F5344CB8AC3E}">
-        <p14:creationId xmlns:p14="http://schemas.microsoft.com/office/powerpoint/2010/main" val="4037734316"/>
+        <p14:creationId xmlns:p14="http://schemas.microsoft.com/office/powerpoint/2010/main" val="2300045104"/>
       </p:ext>
     </p:extLst>
   </p:cSld>
@@ -349,7 +349,7 @@
           <p:cNvPr id="2" name="标题 1">
             <a:extLst>
               <a:ext uri="{FF2B5EF4-FFF2-40B4-BE49-F238E27FC236}">
-                <a16:creationId xmlns:a16="http://schemas.microsoft.com/office/drawing/2014/main" id="{A771F61D-E746-D594-94BD-D6F659A45AED}"/>
+                <a16:creationId xmlns:a16="http://schemas.microsoft.com/office/drawing/2014/main" id="{9950CEE8-28EB-AE72-5735-82C1C76CA5A2}"/>
               </a:ext>
             </a:extLst>
           </p:cNvPr>
@@ -377,7 +377,7 @@
           <p:cNvPr id="3" name="竖排文字占位符 2">
             <a:extLst>
               <a:ext uri="{FF2B5EF4-FFF2-40B4-BE49-F238E27FC236}">
-                <a16:creationId xmlns:a16="http://schemas.microsoft.com/office/drawing/2014/main" id="{B299D619-38B5-1037-0AF6-EA201453FEC6}"/>
+                <a16:creationId xmlns:a16="http://schemas.microsoft.com/office/drawing/2014/main" id="{55267F21-92F4-BA83-4F74-1DBE8D425A0D}"/>
               </a:ext>
             </a:extLst>
           </p:cNvPr>
@@ -434,7 +434,7 @@
           <p:cNvPr id="4" name="日期占位符 3">
             <a:extLst>
               <a:ext uri="{FF2B5EF4-FFF2-40B4-BE49-F238E27FC236}">
-                <a16:creationId xmlns:a16="http://schemas.microsoft.com/office/drawing/2014/main" id="{8D70312F-9A01-6FF4-D102-6D9AE4ACDC47}"/>
+                <a16:creationId xmlns:a16="http://schemas.microsoft.com/office/drawing/2014/main" id="{2EE5F883-4657-45E6-0897-963DF534C421}"/>
               </a:ext>
             </a:extLst>
           </p:cNvPr>
@@ -450,7 +450,7 @@
           <a:bodyPr/>
           <a:lstStyle/>
           <a:p>
-            <a:fld id="{4BCD6AC4-AAE9-4E89-B260-936F8E47EFC8}" type="datetimeFigureOut">
+            <a:fld id="{67151145-EEB1-4F96-91B0-80295A70C431}" type="datetimeFigureOut">
               <a:rPr lang="zh-CN" altLang="en-US" smtClean="0"/>
               <a:t>2024/3/10</a:t>
             </a:fld>
@@ -463,7 +463,7 @@
           <p:cNvPr id="5" name="页脚占位符 4">
             <a:extLst>
               <a:ext uri="{FF2B5EF4-FFF2-40B4-BE49-F238E27FC236}">
-                <a16:creationId xmlns:a16="http://schemas.microsoft.com/office/drawing/2014/main" id="{2F864030-DB7E-38AF-D71B-4C3D6D1C3293}"/>
+                <a16:creationId xmlns:a16="http://schemas.microsoft.com/office/drawing/2014/main" id="{EBDD7326-6FB9-ACC4-AD43-7F566F68D89D}"/>
               </a:ext>
             </a:extLst>
           </p:cNvPr>
@@ -488,7 +488,7 @@
           <p:cNvPr id="6" name="灯片编号占位符 5">
             <a:extLst>
               <a:ext uri="{FF2B5EF4-FFF2-40B4-BE49-F238E27FC236}">
-                <a16:creationId xmlns:a16="http://schemas.microsoft.com/office/drawing/2014/main" id="{696D1307-1A8B-1D87-EFA5-9DF9744969BE}"/>
+                <a16:creationId xmlns:a16="http://schemas.microsoft.com/office/drawing/2014/main" id="{F1FCC136-B875-90B3-2930-57BF705B7631}"/>
               </a:ext>
             </a:extLst>
           </p:cNvPr>
@@ -504,7 +504,7 @@
           <a:bodyPr/>
           <a:lstStyle/>
           <a:p>
-            <a:fld id="{B3EB4BBC-15E7-4DA4-B632-5EBA6383D660}" type="slidenum">
+            <a:fld id="{F903B255-4A6D-4C5C-9809-B1B02D34C377}" type="slidenum">
               <a:rPr lang="zh-CN" altLang="en-US" smtClean="0"/>
               <a:t>‹#›</a:t>
             </a:fld>
@@ -515,7 +515,7 @@
     </p:spTree>
     <p:extLst>
       <p:ext uri="{BB962C8B-B14F-4D97-AF65-F5344CB8AC3E}">
-        <p14:creationId xmlns:p14="http://schemas.microsoft.com/office/powerpoint/2010/main" val="3777175493"/>
+        <p14:creationId xmlns:p14="http://schemas.microsoft.com/office/powerpoint/2010/main" val="2355549197"/>
       </p:ext>
     </p:extLst>
   </p:cSld>
@@ -547,7 +547,7 @@
           <p:cNvPr id="2" name="竖排标题 1">
             <a:extLst>
               <a:ext uri="{FF2B5EF4-FFF2-40B4-BE49-F238E27FC236}">
-                <a16:creationId xmlns:a16="http://schemas.microsoft.com/office/drawing/2014/main" id="{914DEF48-B36C-5A37-2A0F-40C4A1EADBB4}"/>
+                <a16:creationId xmlns:a16="http://schemas.microsoft.com/office/drawing/2014/main" id="{10BB0022-EFAF-44C3-6728-24C2E25DB584}"/>
               </a:ext>
             </a:extLst>
           </p:cNvPr>
@@ -580,7 +580,7 @@
           <p:cNvPr id="3" name="竖排文字占位符 2">
             <a:extLst>
               <a:ext uri="{FF2B5EF4-FFF2-40B4-BE49-F238E27FC236}">
-                <a16:creationId xmlns:a16="http://schemas.microsoft.com/office/drawing/2014/main" id="{C08A1A61-8F72-DC8F-F84C-95A0DBB87D29}"/>
+                <a16:creationId xmlns:a16="http://schemas.microsoft.com/office/drawing/2014/main" id="{69A257F7-1B68-1BFE-D9C1-01B4D71A1396}"/>
               </a:ext>
             </a:extLst>
           </p:cNvPr>
@@ -642,7 +642,7 @@
           <p:cNvPr id="4" name="日期占位符 3">
             <a:extLst>
               <a:ext uri="{FF2B5EF4-FFF2-40B4-BE49-F238E27FC236}">
-                <a16:creationId xmlns:a16="http://schemas.microsoft.com/office/drawing/2014/main" id="{778E6904-7971-725A-0F8E-AA7F7E557D2F}"/>
+                <a16:creationId xmlns:a16="http://schemas.microsoft.com/office/drawing/2014/main" id="{F9468662-7133-66DC-1218-9C591FFAFA84}"/>
               </a:ext>
             </a:extLst>
           </p:cNvPr>
@@ -658,7 +658,7 @@
           <a:bodyPr/>
           <a:lstStyle/>
           <a:p>
-            <a:fld id="{4BCD6AC4-AAE9-4E89-B260-936F8E47EFC8}" type="datetimeFigureOut">
+            <a:fld id="{67151145-EEB1-4F96-91B0-80295A70C431}" type="datetimeFigureOut">
               <a:rPr lang="zh-CN" altLang="en-US" smtClean="0"/>
               <a:t>2024/3/10</a:t>
             </a:fld>
@@ -671,7 +671,7 @@
           <p:cNvPr id="5" name="页脚占位符 4">
             <a:extLst>
               <a:ext uri="{FF2B5EF4-FFF2-40B4-BE49-F238E27FC236}">
-                <a16:creationId xmlns:a16="http://schemas.microsoft.com/office/drawing/2014/main" id="{FB1C3BFB-2D94-3750-C13E-4689296C488E}"/>
+                <a16:creationId xmlns:a16="http://schemas.microsoft.com/office/drawing/2014/main" id="{D6468C62-7ECD-5353-8663-0BD94B27CB62}"/>
               </a:ext>
             </a:extLst>
           </p:cNvPr>
@@ -696,7 +696,7 @@
           <p:cNvPr id="6" name="灯片编号占位符 5">
             <a:extLst>
               <a:ext uri="{FF2B5EF4-FFF2-40B4-BE49-F238E27FC236}">
-                <a16:creationId xmlns:a16="http://schemas.microsoft.com/office/drawing/2014/main" id="{8966C53B-3024-578D-BCDE-86FD21F565CF}"/>
+                <a16:creationId xmlns:a16="http://schemas.microsoft.com/office/drawing/2014/main" id="{DD9D2DEF-9D5A-3761-ADA3-69C2891E56AF}"/>
               </a:ext>
             </a:extLst>
           </p:cNvPr>
@@ -712,7 +712,7 @@
           <a:bodyPr/>
           <a:lstStyle/>
           <a:p>
-            <a:fld id="{B3EB4BBC-15E7-4DA4-B632-5EBA6383D660}" type="slidenum">
+            <a:fld id="{F903B255-4A6D-4C5C-9809-B1B02D34C377}" type="slidenum">
               <a:rPr lang="zh-CN" altLang="en-US" smtClean="0"/>
               <a:t>‹#›</a:t>
             </a:fld>
@@ -723,7 +723,7 @@
     </p:spTree>
     <p:extLst>
       <p:ext uri="{BB962C8B-B14F-4D97-AF65-F5344CB8AC3E}">
-        <p14:creationId xmlns:p14="http://schemas.microsoft.com/office/powerpoint/2010/main" val="2581090342"/>
+        <p14:creationId xmlns:p14="http://schemas.microsoft.com/office/powerpoint/2010/main" val="1146330758"/>
       </p:ext>
     </p:extLst>
   </p:cSld>
@@ -755,7 +755,7 @@
           <p:cNvPr id="2" name="标题 1">
             <a:extLst>
               <a:ext uri="{FF2B5EF4-FFF2-40B4-BE49-F238E27FC236}">
-                <a16:creationId xmlns:a16="http://schemas.microsoft.com/office/drawing/2014/main" id="{D96B3F31-3745-AE9F-C832-08025013CD7A}"/>
+                <a16:creationId xmlns:a16="http://schemas.microsoft.com/office/drawing/2014/main" id="{88F44650-D8DC-4948-B93C-C285F3AE128B}"/>
               </a:ext>
             </a:extLst>
           </p:cNvPr>
@@ -783,7 +783,7 @@
           <p:cNvPr id="3" name="内容占位符 2">
             <a:extLst>
               <a:ext uri="{FF2B5EF4-FFF2-40B4-BE49-F238E27FC236}">
-                <a16:creationId xmlns:a16="http://schemas.microsoft.com/office/drawing/2014/main" id="{781E0DAE-F638-232C-E5A9-961BD6BB6411}"/>
+                <a16:creationId xmlns:a16="http://schemas.microsoft.com/office/drawing/2014/main" id="{CAD52226-AEDB-92DC-B8E2-DB46963764E2}"/>
               </a:ext>
             </a:extLst>
           </p:cNvPr>
@@ -840,7 +840,7 @@
           <p:cNvPr id="4" name="日期占位符 3">
             <a:extLst>
               <a:ext uri="{FF2B5EF4-FFF2-40B4-BE49-F238E27FC236}">
-                <a16:creationId xmlns:a16="http://schemas.microsoft.com/office/drawing/2014/main" id="{4E0A2928-DCD5-6BAC-2419-F74ED398B649}"/>
+                <a16:creationId xmlns:a16="http://schemas.microsoft.com/office/drawing/2014/main" id="{A7578E68-75E7-3B2C-428F-A59AE3EDDBB5}"/>
               </a:ext>
             </a:extLst>
           </p:cNvPr>
@@ -856,7 +856,7 @@
           <a:bodyPr/>
           <a:lstStyle/>
           <a:p>
-            <a:fld id="{4BCD6AC4-AAE9-4E89-B260-936F8E47EFC8}" type="datetimeFigureOut">
+            <a:fld id="{67151145-EEB1-4F96-91B0-80295A70C431}" type="datetimeFigureOut">
               <a:rPr lang="zh-CN" altLang="en-US" smtClean="0"/>
               <a:t>2024/3/10</a:t>
             </a:fld>
@@ -869,7 +869,7 @@
           <p:cNvPr id="5" name="页脚占位符 4">
             <a:extLst>
               <a:ext uri="{FF2B5EF4-FFF2-40B4-BE49-F238E27FC236}">
-                <a16:creationId xmlns:a16="http://schemas.microsoft.com/office/drawing/2014/main" id="{2E9BA1B7-DC01-14C4-45EE-4977F8F14A7F}"/>
+                <a16:creationId xmlns:a16="http://schemas.microsoft.com/office/drawing/2014/main" id="{248019F2-4D7F-2C81-1476-950AD1D427DD}"/>
               </a:ext>
             </a:extLst>
           </p:cNvPr>
@@ -894,7 +894,7 @@
           <p:cNvPr id="6" name="灯片编号占位符 5">
             <a:extLst>
               <a:ext uri="{FF2B5EF4-FFF2-40B4-BE49-F238E27FC236}">
-                <a16:creationId xmlns:a16="http://schemas.microsoft.com/office/drawing/2014/main" id="{888EBC07-301B-28D9-C135-48797BDEBFDC}"/>
+                <a16:creationId xmlns:a16="http://schemas.microsoft.com/office/drawing/2014/main" id="{DC62F593-D4AB-90A8-C593-24E6D0AE660B}"/>
               </a:ext>
             </a:extLst>
           </p:cNvPr>
@@ -910,7 +910,7 @@
           <a:bodyPr/>
           <a:lstStyle/>
           <a:p>
-            <a:fld id="{B3EB4BBC-15E7-4DA4-B632-5EBA6383D660}" type="slidenum">
+            <a:fld id="{F903B255-4A6D-4C5C-9809-B1B02D34C377}" type="slidenum">
               <a:rPr lang="zh-CN" altLang="en-US" smtClean="0"/>
               <a:t>‹#›</a:t>
             </a:fld>
@@ -921,7 +921,7 @@
     </p:spTree>
     <p:extLst>
       <p:ext uri="{BB962C8B-B14F-4D97-AF65-F5344CB8AC3E}">
-        <p14:creationId xmlns:p14="http://schemas.microsoft.com/office/powerpoint/2010/main" val="1928541867"/>
+        <p14:creationId xmlns:p14="http://schemas.microsoft.com/office/powerpoint/2010/main" val="2409749375"/>
       </p:ext>
     </p:extLst>
   </p:cSld>
@@ -953,7 +953,7 @@
           <p:cNvPr id="2" name="标题 1">
             <a:extLst>
               <a:ext uri="{FF2B5EF4-FFF2-40B4-BE49-F238E27FC236}">
-                <a16:creationId xmlns:a16="http://schemas.microsoft.com/office/drawing/2014/main" id="{4D753BEE-C0D0-2AF9-01A5-D69211598D31}"/>
+                <a16:creationId xmlns:a16="http://schemas.microsoft.com/office/drawing/2014/main" id="{40CE2D1F-82FC-D978-9794-4201E386C789}"/>
               </a:ext>
             </a:extLst>
           </p:cNvPr>
@@ -990,7 +990,7 @@
           <p:cNvPr id="3" name="文本占位符 2">
             <a:extLst>
               <a:ext uri="{FF2B5EF4-FFF2-40B4-BE49-F238E27FC236}">
-                <a16:creationId xmlns:a16="http://schemas.microsoft.com/office/drawing/2014/main" id="{EBAE381F-06A3-92DE-9ABA-ED9D6739B930}"/>
+                <a16:creationId xmlns:a16="http://schemas.microsoft.com/office/drawing/2014/main" id="{E6F12D2D-3934-ED2D-B1BB-34E842B6CBB7}"/>
               </a:ext>
             </a:extLst>
           </p:cNvPr>
@@ -1115,7 +1115,7 @@
           <p:cNvPr id="4" name="日期占位符 3">
             <a:extLst>
               <a:ext uri="{FF2B5EF4-FFF2-40B4-BE49-F238E27FC236}">
-                <a16:creationId xmlns:a16="http://schemas.microsoft.com/office/drawing/2014/main" id="{456C0F32-A053-96BF-2B2F-FB24D823A307}"/>
+                <a16:creationId xmlns:a16="http://schemas.microsoft.com/office/drawing/2014/main" id="{1880FCAD-6F58-59F3-BAAA-B4562C1E9BDB}"/>
               </a:ext>
             </a:extLst>
           </p:cNvPr>
@@ -1131,7 +1131,7 @@
           <a:bodyPr/>
           <a:lstStyle/>
           <a:p>
-            <a:fld id="{4BCD6AC4-AAE9-4E89-B260-936F8E47EFC8}" type="datetimeFigureOut">
+            <a:fld id="{67151145-EEB1-4F96-91B0-80295A70C431}" type="datetimeFigureOut">
               <a:rPr lang="zh-CN" altLang="en-US" smtClean="0"/>
               <a:t>2024/3/10</a:t>
             </a:fld>
@@ -1144,7 +1144,7 @@
           <p:cNvPr id="5" name="页脚占位符 4">
             <a:extLst>
               <a:ext uri="{FF2B5EF4-FFF2-40B4-BE49-F238E27FC236}">
-                <a16:creationId xmlns:a16="http://schemas.microsoft.com/office/drawing/2014/main" id="{023A2E0D-A811-4CA3-3DA4-497B24CB1DF2}"/>
+                <a16:creationId xmlns:a16="http://schemas.microsoft.com/office/drawing/2014/main" id="{88E43FC2-B3A3-EE7A-6351-8319A4390B15}"/>
               </a:ext>
             </a:extLst>
           </p:cNvPr>
@@ -1169,7 +1169,7 @@
           <p:cNvPr id="6" name="灯片编号占位符 5">
             <a:extLst>
               <a:ext uri="{FF2B5EF4-FFF2-40B4-BE49-F238E27FC236}">
-                <a16:creationId xmlns:a16="http://schemas.microsoft.com/office/drawing/2014/main" id="{F1A79D22-07A6-4311-A43A-E517BD09D9CF}"/>
+                <a16:creationId xmlns:a16="http://schemas.microsoft.com/office/drawing/2014/main" id="{FC12A66D-7765-B063-52E0-134A464DA36B}"/>
               </a:ext>
             </a:extLst>
           </p:cNvPr>
@@ -1185,7 +1185,7 @@
           <a:bodyPr/>
           <a:lstStyle/>
           <a:p>
-            <a:fld id="{B3EB4BBC-15E7-4DA4-B632-5EBA6383D660}" type="slidenum">
+            <a:fld id="{F903B255-4A6D-4C5C-9809-B1B02D34C377}" type="slidenum">
               <a:rPr lang="zh-CN" altLang="en-US" smtClean="0"/>
               <a:t>‹#›</a:t>
             </a:fld>
@@ -1196,7 +1196,7 @@
     </p:spTree>
     <p:extLst>
       <p:ext uri="{BB962C8B-B14F-4D97-AF65-F5344CB8AC3E}">
-        <p14:creationId xmlns:p14="http://schemas.microsoft.com/office/powerpoint/2010/main" val="1768937460"/>
+        <p14:creationId xmlns:p14="http://schemas.microsoft.com/office/powerpoint/2010/main" val="2074147091"/>
       </p:ext>
     </p:extLst>
   </p:cSld>
@@ -1228,7 +1228,7 @@
           <p:cNvPr id="2" name="标题 1">
             <a:extLst>
               <a:ext uri="{FF2B5EF4-FFF2-40B4-BE49-F238E27FC236}">
-                <a16:creationId xmlns:a16="http://schemas.microsoft.com/office/drawing/2014/main" id="{51DC0BCB-3482-6E3B-EB61-2C5399E4527A}"/>
+                <a16:creationId xmlns:a16="http://schemas.microsoft.com/office/drawing/2014/main" id="{5028311A-E819-8773-3DBA-0F19742F27A2}"/>
               </a:ext>
             </a:extLst>
           </p:cNvPr>
@@ -1256,7 +1256,7 @@
           <p:cNvPr id="3" name="内容占位符 2">
             <a:extLst>
               <a:ext uri="{FF2B5EF4-FFF2-40B4-BE49-F238E27FC236}">
-                <a16:creationId xmlns:a16="http://schemas.microsoft.com/office/drawing/2014/main" id="{74F3C4AE-88C3-5035-C219-A4CDA1824546}"/>
+                <a16:creationId xmlns:a16="http://schemas.microsoft.com/office/drawing/2014/main" id="{A5C7F07C-D1BA-36B7-78CB-C2AF82026AB7}"/>
               </a:ext>
             </a:extLst>
           </p:cNvPr>
@@ -1318,7 +1318,7 @@
           <p:cNvPr id="4" name="内容占位符 3">
             <a:extLst>
               <a:ext uri="{FF2B5EF4-FFF2-40B4-BE49-F238E27FC236}">
-                <a16:creationId xmlns:a16="http://schemas.microsoft.com/office/drawing/2014/main" id="{29F5C8C8-867B-2D9C-61D9-AF65360E2A2C}"/>
+                <a16:creationId xmlns:a16="http://schemas.microsoft.com/office/drawing/2014/main" id="{96BFFD24-1B98-99AD-0E49-2212DB271C2C}"/>
               </a:ext>
             </a:extLst>
           </p:cNvPr>
@@ -1380,7 +1380,7 @@
           <p:cNvPr id="5" name="日期占位符 4">
             <a:extLst>
               <a:ext uri="{FF2B5EF4-FFF2-40B4-BE49-F238E27FC236}">
-                <a16:creationId xmlns:a16="http://schemas.microsoft.com/office/drawing/2014/main" id="{ABE95831-8FCC-4525-4557-F617E982557B}"/>
+                <a16:creationId xmlns:a16="http://schemas.microsoft.com/office/drawing/2014/main" id="{5246FE7F-EE01-4ABA-3C76-02B3EE9A4885}"/>
               </a:ext>
             </a:extLst>
           </p:cNvPr>
@@ -1396,7 +1396,7 @@
           <a:bodyPr/>
           <a:lstStyle/>
           <a:p>
-            <a:fld id="{4BCD6AC4-AAE9-4E89-B260-936F8E47EFC8}" type="datetimeFigureOut">
+            <a:fld id="{67151145-EEB1-4F96-91B0-80295A70C431}" type="datetimeFigureOut">
               <a:rPr lang="zh-CN" altLang="en-US" smtClean="0"/>
               <a:t>2024/3/10</a:t>
             </a:fld>
@@ -1409,7 +1409,7 @@
           <p:cNvPr id="6" name="页脚占位符 5">
             <a:extLst>
               <a:ext uri="{FF2B5EF4-FFF2-40B4-BE49-F238E27FC236}">
-                <a16:creationId xmlns:a16="http://schemas.microsoft.com/office/drawing/2014/main" id="{585E751A-CC77-D29A-78BE-7B6E651991A6}"/>
+                <a16:creationId xmlns:a16="http://schemas.microsoft.com/office/drawing/2014/main" id="{EB0A2CAA-14DA-20F6-11E4-EA9BBEA13520}"/>
               </a:ext>
             </a:extLst>
           </p:cNvPr>
@@ -1434,7 +1434,7 @@
           <p:cNvPr id="7" name="灯片编号占位符 6">
             <a:extLst>
               <a:ext uri="{FF2B5EF4-FFF2-40B4-BE49-F238E27FC236}">
-                <a16:creationId xmlns:a16="http://schemas.microsoft.com/office/drawing/2014/main" id="{2E1B22C9-2B8D-0738-F5CC-9B283DDD59EA}"/>
+                <a16:creationId xmlns:a16="http://schemas.microsoft.com/office/drawing/2014/main" id="{64575BF6-72E6-54EC-34DF-A75FB2E33CF0}"/>
               </a:ext>
             </a:extLst>
           </p:cNvPr>
@@ -1450,7 +1450,7 @@
           <a:bodyPr/>
           <a:lstStyle/>
           <a:p>
-            <a:fld id="{B3EB4BBC-15E7-4DA4-B632-5EBA6383D660}" type="slidenum">
+            <a:fld id="{F903B255-4A6D-4C5C-9809-B1B02D34C377}" type="slidenum">
               <a:rPr lang="zh-CN" altLang="en-US" smtClean="0"/>
               <a:t>‹#›</a:t>
             </a:fld>
@@ -1461,7 +1461,7 @@
     </p:spTree>
     <p:extLst>
       <p:ext uri="{BB962C8B-B14F-4D97-AF65-F5344CB8AC3E}">
-        <p14:creationId xmlns:p14="http://schemas.microsoft.com/office/powerpoint/2010/main" val="1105440465"/>
+        <p14:creationId xmlns:p14="http://schemas.microsoft.com/office/powerpoint/2010/main" val="1781780646"/>
       </p:ext>
     </p:extLst>
   </p:cSld>
@@ -1493,7 +1493,7 @@
           <p:cNvPr id="2" name="标题 1">
             <a:extLst>
               <a:ext uri="{FF2B5EF4-FFF2-40B4-BE49-F238E27FC236}">
-                <a16:creationId xmlns:a16="http://schemas.microsoft.com/office/drawing/2014/main" id="{016950FC-9ED0-2B90-4E65-A2C27EFCCDA3}"/>
+                <a16:creationId xmlns:a16="http://schemas.microsoft.com/office/drawing/2014/main" id="{803BF217-5D5A-9042-8B1F-30285C93F3A0}"/>
               </a:ext>
             </a:extLst>
           </p:cNvPr>
@@ -1526,7 +1526,7 @@
           <p:cNvPr id="3" name="文本占位符 2">
             <a:extLst>
               <a:ext uri="{FF2B5EF4-FFF2-40B4-BE49-F238E27FC236}">
-                <a16:creationId xmlns:a16="http://schemas.microsoft.com/office/drawing/2014/main" id="{B3C4991C-A303-31A1-74FE-19D1B37347BD}"/>
+                <a16:creationId xmlns:a16="http://schemas.microsoft.com/office/drawing/2014/main" id="{2B83F20D-B6C6-252D-4884-69334516AC6B}"/>
               </a:ext>
             </a:extLst>
           </p:cNvPr>
@@ -1597,7 +1597,7 @@
           <p:cNvPr id="4" name="内容占位符 3">
             <a:extLst>
               <a:ext uri="{FF2B5EF4-FFF2-40B4-BE49-F238E27FC236}">
-                <a16:creationId xmlns:a16="http://schemas.microsoft.com/office/drawing/2014/main" id="{02C2B7BF-8FC6-2524-F9BE-007C6B8F9FFB}"/>
+                <a16:creationId xmlns:a16="http://schemas.microsoft.com/office/drawing/2014/main" id="{AFA69E90-3D81-F562-52AA-3A2BC7F143F1}"/>
               </a:ext>
             </a:extLst>
           </p:cNvPr>
@@ -1659,7 +1659,7 @@
           <p:cNvPr id="5" name="文本占位符 4">
             <a:extLst>
               <a:ext uri="{FF2B5EF4-FFF2-40B4-BE49-F238E27FC236}">
-                <a16:creationId xmlns:a16="http://schemas.microsoft.com/office/drawing/2014/main" id="{DBA45181-B538-3B31-54E5-6510E91011EE}"/>
+                <a16:creationId xmlns:a16="http://schemas.microsoft.com/office/drawing/2014/main" id="{364FDA79-F2E6-F0BA-63BB-22D7DAEEE85F}"/>
               </a:ext>
             </a:extLst>
           </p:cNvPr>
@@ -1730,7 +1730,7 @@
           <p:cNvPr id="6" name="内容占位符 5">
             <a:extLst>
               <a:ext uri="{FF2B5EF4-FFF2-40B4-BE49-F238E27FC236}">
-                <a16:creationId xmlns:a16="http://schemas.microsoft.com/office/drawing/2014/main" id="{2093B7C1-7626-3C6A-1EBC-C8BF017819DF}"/>
+                <a16:creationId xmlns:a16="http://schemas.microsoft.com/office/drawing/2014/main" id="{FF1B46D5-2F42-13F5-DEBE-EECBDE514FD8}"/>
               </a:ext>
             </a:extLst>
           </p:cNvPr>
@@ -1792,7 +1792,7 @@
           <p:cNvPr id="7" name="日期占位符 6">
             <a:extLst>
               <a:ext uri="{FF2B5EF4-FFF2-40B4-BE49-F238E27FC236}">
-                <a16:creationId xmlns:a16="http://schemas.microsoft.com/office/drawing/2014/main" id="{A522A718-D4BC-B9A0-323B-C86F805B19C7}"/>
+                <a16:creationId xmlns:a16="http://schemas.microsoft.com/office/drawing/2014/main" id="{D2EE31B4-05E3-DC92-4B65-FA81F7489A7A}"/>
               </a:ext>
             </a:extLst>
           </p:cNvPr>
@@ -1808,7 +1808,7 @@
           <a:bodyPr/>
           <a:lstStyle/>
           <a:p>
-            <a:fld id="{4BCD6AC4-AAE9-4E89-B260-936F8E47EFC8}" type="datetimeFigureOut">
+            <a:fld id="{67151145-EEB1-4F96-91B0-80295A70C431}" type="datetimeFigureOut">
               <a:rPr lang="zh-CN" altLang="en-US" smtClean="0"/>
               <a:t>2024/3/10</a:t>
             </a:fld>
@@ -1821,7 +1821,7 @@
           <p:cNvPr id="8" name="页脚占位符 7">
             <a:extLst>
               <a:ext uri="{FF2B5EF4-FFF2-40B4-BE49-F238E27FC236}">
-                <a16:creationId xmlns:a16="http://schemas.microsoft.com/office/drawing/2014/main" id="{DDC27F13-36DD-72D0-C40B-48495189FF10}"/>
+                <a16:creationId xmlns:a16="http://schemas.microsoft.com/office/drawing/2014/main" id="{A724AEC2-9CEB-5288-D47B-D8658B802AA5}"/>
               </a:ext>
             </a:extLst>
           </p:cNvPr>
@@ -1846,7 +1846,7 @@
           <p:cNvPr id="9" name="灯片编号占位符 8">
             <a:extLst>
               <a:ext uri="{FF2B5EF4-FFF2-40B4-BE49-F238E27FC236}">
-                <a16:creationId xmlns:a16="http://schemas.microsoft.com/office/drawing/2014/main" id="{877E8945-1720-13F6-128A-F3E1B6110A5F}"/>
+                <a16:creationId xmlns:a16="http://schemas.microsoft.com/office/drawing/2014/main" id="{98ACC36A-9BFF-E570-DEED-04F8972307D0}"/>
               </a:ext>
             </a:extLst>
           </p:cNvPr>
@@ -1862,7 +1862,7 @@
           <a:bodyPr/>
           <a:lstStyle/>
           <a:p>
-            <a:fld id="{B3EB4BBC-15E7-4DA4-B632-5EBA6383D660}" type="slidenum">
+            <a:fld id="{F903B255-4A6D-4C5C-9809-B1B02D34C377}" type="slidenum">
               <a:rPr lang="zh-CN" altLang="en-US" smtClean="0"/>
               <a:t>‹#›</a:t>
             </a:fld>
@@ -1873,7 +1873,7 @@
     </p:spTree>
     <p:extLst>
       <p:ext uri="{BB962C8B-B14F-4D97-AF65-F5344CB8AC3E}">
-        <p14:creationId xmlns:p14="http://schemas.microsoft.com/office/powerpoint/2010/main" val="1638117185"/>
+        <p14:creationId xmlns:p14="http://schemas.microsoft.com/office/powerpoint/2010/main" val="2222219243"/>
       </p:ext>
     </p:extLst>
   </p:cSld>
@@ -1905,7 +1905,7 @@
           <p:cNvPr id="2" name="标题 1">
             <a:extLst>
               <a:ext uri="{FF2B5EF4-FFF2-40B4-BE49-F238E27FC236}">
-                <a16:creationId xmlns:a16="http://schemas.microsoft.com/office/drawing/2014/main" id="{9CD8238D-64E6-B59A-5A00-462C2A12DAA2}"/>
+                <a16:creationId xmlns:a16="http://schemas.microsoft.com/office/drawing/2014/main" id="{27D908D2-4D16-859C-61F7-5EC3AD6702C7}"/>
               </a:ext>
             </a:extLst>
           </p:cNvPr>
@@ -1933,7 +1933,7 @@
           <p:cNvPr id="3" name="日期占位符 2">
             <a:extLst>
               <a:ext uri="{FF2B5EF4-FFF2-40B4-BE49-F238E27FC236}">
-                <a16:creationId xmlns:a16="http://schemas.microsoft.com/office/drawing/2014/main" id="{9B1FE1ED-5BCB-4A13-0857-6CF7EDCF9196}"/>
+                <a16:creationId xmlns:a16="http://schemas.microsoft.com/office/drawing/2014/main" id="{B1A10522-96A6-6C35-0FEA-E36F77EA1C24}"/>
               </a:ext>
             </a:extLst>
           </p:cNvPr>
@@ -1949,7 +1949,7 @@
           <a:bodyPr/>
           <a:lstStyle/>
           <a:p>
-            <a:fld id="{4BCD6AC4-AAE9-4E89-B260-936F8E47EFC8}" type="datetimeFigureOut">
+            <a:fld id="{67151145-EEB1-4F96-91B0-80295A70C431}" type="datetimeFigureOut">
               <a:rPr lang="zh-CN" altLang="en-US" smtClean="0"/>
               <a:t>2024/3/10</a:t>
             </a:fld>
@@ -1962,7 +1962,7 @@
           <p:cNvPr id="4" name="页脚占位符 3">
             <a:extLst>
               <a:ext uri="{FF2B5EF4-FFF2-40B4-BE49-F238E27FC236}">
-                <a16:creationId xmlns:a16="http://schemas.microsoft.com/office/drawing/2014/main" id="{2703967D-4A65-77D6-3F7A-6AE858E6063C}"/>
+                <a16:creationId xmlns:a16="http://schemas.microsoft.com/office/drawing/2014/main" id="{B27A61CC-BDD2-3303-E13C-10524E259F4A}"/>
               </a:ext>
             </a:extLst>
           </p:cNvPr>
@@ -1987,7 +1987,7 @@
           <p:cNvPr id="5" name="灯片编号占位符 4">
             <a:extLst>
               <a:ext uri="{FF2B5EF4-FFF2-40B4-BE49-F238E27FC236}">
-                <a16:creationId xmlns:a16="http://schemas.microsoft.com/office/drawing/2014/main" id="{C574ECAA-B6DD-B900-863D-4548E7A5BDE6}"/>
+                <a16:creationId xmlns:a16="http://schemas.microsoft.com/office/drawing/2014/main" id="{62D1425D-02E5-469C-4297-82906B3860DD}"/>
               </a:ext>
             </a:extLst>
           </p:cNvPr>
@@ -2003,7 +2003,7 @@
           <a:bodyPr/>
           <a:lstStyle/>
           <a:p>
-            <a:fld id="{B3EB4BBC-15E7-4DA4-B632-5EBA6383D660}" type="slidenum">
+            <a:fld id="{F903B255-4A6D-4C5C-9809-B1B02D34C377}" type="slidenum">
               <a:rPr lang="zh-CN" altLang="en-US" smtClean="0"/>
               <a:t>‹#›</a:t>
             </a:fld>
@@ -2014,7 +2014,7 @@
     </p:spTree>
     <p:extLst>
       <p:ext uri="{BB962C8B-B14F-4D97-AF65-F5344CB8AC3E}">
-        <p14:creationId xmlns:p14="http://schemas.microsoft.com/office/powerpoint/2010/main" val="2044801400"/>
+        <p14:creationId xmlns:p14="http://schemas.microsoft.com/office/powerpoint/2010/main" val="3680867877"/>
       </p:ext>
     </p:extLst>
   </p:cSld>
@@ -2046,7 +2046,7 @@
           <p:cNvPr id="2" name="日期占位符 1">
             <a:extLst>
               <a:ext uri="{FF2B5EF4-FFF2-40B4-BE49-F238E27FC236}">
-                <a16:creationId xmlns:a16="http://schemas.microsoft.com/office/drawing/2014/main" id="{81EFF164-D63D-BCC7-20A7-1EA5C69ADABB}"/>
+                <a16:creationId xmlns:a16="http://schemas.microsoft.com/office/drawing/2014/main" id="{E2DF001F-623D-B7E1-3EFB-729A6E2FED63}"/>
               </a:ext>
             </a:extLst>
           </p:cNvPr>
@@ -2062,7 +2062,7 @@
           <a:bodyPr/>
           <a:lstStyle/>
           <a:p>
-            <a:fld id="{4BCD6AC4-AAE9-4E89-B260-936F8E47EFC8}" type="datetimeFigureOut">
+            <a:fld id="{67151145-EEB1-4F96-91B0-80295A70C431}" type="datetimeFigureOut">
               <a:rPr lang="zh-CN" altLang="en-US" smtClean="0"/>
               <a:t>2024/3/10</a:t>
             </a:fld>
@@ -2075,7 +2075,7 @@
           <p:cNvPr id="3" name="页脚占位符 2">
             <a:extLst>
               <a:ext uri="{FF2B5EF4-FFF2-40B4-BE49-F238E27FC236}">
-                <a16:creationId xmlns:a16="http://schemas.microsoft.com/office/drawing/2014/main" id="{F4F350BE-5D02-B98E-D983-CE266E48AF74}"/>
+                <a16:creationId xmlns:a16="http://schemas.microsoft.com/office/drawing/2014/main" id="{F02C4741-7EA1-C29A-9591-EE4FFD3C56DD}"/>
               </a:ext>
             </a:extLst>
           </p:cNvPr>
@@ -2100,7 +2100,7 @@
           <p:cNvPr id="4" name="灯片编号占位符 3">
             <a:extLst>
               <a:ext uri="{FF2B5EF4-FFF2-40B4-BE49-F238E27FC236}">
-                <a16:creationId xmlns:a16="http://schemas.microsoft.com/office/drawing/2014/main" id="{87356692-EA20-E0B8-7A97-BA98706F9AD3}"/>
+                <a16:creationId xmlns:a16="http://schemas.microsoft.com/office/drawing/2014/main" id="{C9DBAE38-8A27-6F90-0B18-39F1AE9FA448}"/>
               </a:ext>
             </a:extLst>
           </p:cNvPr>
@@ -2116,7 +2116,7 @@
           <a:bodyPr/>
           <a:lstStyle/>
           <a:p>
-            <a:fld id="{B3EB4BBC-15E7-4DA4-B632-5EBA6383D660}" type="slidenum">
+            <a:fld id="{F903B255-4A6D-4C5C-9809-B1B02D34C377}" type="slidenum">
               <a:rPr lang="zh-CN" altLang="en-US" smtClean="0"/>
               <a:t>‹#›</a:t>
             </a:fld>
@@ -2127,7 +2127,7 @@
     </p:spTree>
     <p:extLst>
       <p:ext uri="{BB962C8B-B14F-4D97-AF65-F5344CB8AC3E}">
-        <p14:creationId xmlns:p14="http://schemas.microsoft.com/office/powerpoint/2010/main" val="1485323209"/>
+        <p14:creationId xmlns:p14="http://schemas.microsoft.com/office/powerpoint/2010/main" val="1063558495"/>
       </p:ext>
     </p:extLst>
   </p:cSld>
@@ -2159,7 +2159,7 @@
           <p:cNvPr id="2" name="标题 1">
             <a:extLst>
               <a:ext uri="{FF2B5EF4-FFF2-40B4-BE49-F238E27FC236}">
-                <a16:creationId xmlns:a16="http://schemas.microsoft.com/office/drawing/2014/main" id="{1E766285-F149-41D3-80AC-69920A33B5E1}"/>
+                <a16:creationId xmlns:a16="http://schemas.microsoft.com/office/drawing/2014/main" id="{2B5CE056-AE37-9CD5-4652-84D9F19F36D1}"/>
               </a:ext>
             </a:extLst>
           </p:cNvPr>
@@ -2196,7 +2196,7 @@
           <p:cNvPr id="3" name="内容占位符 2">
             <a:extLst>
               <a:ext uri="{FF2B5EF4-FFF2-40B4-BE49-F238E27FC236}">
-                <a16:creationId xmlns:a16="http://schemas.microsoft.com/office/drawing/2014/main" id="{73D923F2-1A1C-4FC5-AECE-42206C78FB5B}"/>
+                <a16:creationId xmlns:a16="http://schemas.microsoft.com/office/drawing/2014/main" id="{3A00D656-2868-8972-815D-0A960536DE83}"/>
               </a:ext>
             </a:extLst>
           </p:cNvPr>
@@ -2286,7 +2286,7 @@
           <p:cNvPr id="4" name="文本占位符 3">
             <a:extLst>
               <a:ext uri="{FF2B5EF4-FFF2-40B4-BE49-F238E27FC236}">
-                <a16:creationId xmlns:a16="http://schemas.microsoft.com/office/drawing/2014/main" id="{D7D257C1-B948-BB4A-F3F7-779C3065BA31}"/>
+                <a16:creationId xmlns:a16="http://schemas.microsoft.com/office/drawing/2014/main" id="{37E94DD8-3EC4-D2E8-66AC-5AE4F360C123}"/>
               </a:ext>
             </a:extLst>
           </p:cNvPr>
@@ -2357,7 +2357,7 @@
           <p:cNvPr id="5" name="日期占位符 4">
             <a:extLst>
               <a:ext uri="{FF2B5EF4-FFF2-40B4-BE49-F238E27FC236}">
-                <a16:creationId xmlns:a16="http://schemas.microsoft.com/office/drawing/2014/main" id="{8DA613FB-29AC-FD52-FB85-BC4228E85738}"/>
+                <a16:creationId xmlns:a16="http://schemas.microsoft.com/office/drawing/2014/main" id="{E1A5840D-AFB2-443C-4FDB-71B114505E0C}"/>
               </a:ext>
             </a:extLst>
           </p:cNvPr>
@@ -2373,7 +2373,7 @@
           <a:bodyPr/>
           <a:lstStyle/>
           <a:p>
-            <a:fld id="{4BCD6AC4-AAE9-4E89-B260-936F8E47EFC8}" type="datetimeFigureOut">
+            <a:fld id="{67151145-EEB1-4F96-91B0-80295A70C431}" type="datetimeFigureOut">
               <a:rPr lang="zh-CN" altLang="en-US" smtClean="0"/>
               <a:t>2024/3/10</a:t>
             </a:fld>
@@ -2386,7 +2386,7 @@
           <p:cNvPr id="6" name="页脚占位符 5">
             <a:extLst>
               <a:ext uri="{FF2B5EF4-FFF2-40B4-BE49-F238E27FC236}">
-                <a16:creationId xmlns:a16="http://schemas.microsoft.com/office/drawing/2014/main" id="{816DCCB9-FDE5-4986-BE3E-B507DFF9DADB}"/>
+                <a16:creationId xmlns:a16="http://schemas.microsoft.com/office/drawing/2014/main" id="{9B8548FB-6FD7-FF25-5002-AFF50BBC7728}"/>
               </a:ext>
             </a:extLst>
           </p:cNvPr>
@@ -2411,7 +2411,7 @@
           <p:cNvPr id="7" name="灯片编号占位符 6">
             <a:extLst>
               <a:ext uri="{FF2B5EF4-FFF2-40B4-BE49-F238E27FC236}">
-                <a16:creationId xmlns:a16="http://schemas.microsoft.com/office/drawing/2014/main" id="{0F77B4B2-486E-0815-B533-5A8C870A2980}"/>
+                <a16:creationId xmlns:a16="http://schemas.microsoft.com/office/drawing/2014/main" id="{89C18165-B863-466A-517C-D7395702CB26}"/>
               </a:ext>
             </a:extLst>
           </p:cNvPr>
@@ -2427,7 +2427,7 @@
           <a:bodyPr/>
           <a:lstStyle/>
           <a:p>
-            <a:fld id="{B3EB4BBC-15E7-4DA4-B632-5EBA6383D660}" type="slidenum">
+            <a:fld id="{F903B255-4A6D-4C5C-9809-B1B02D34C377}" type="slidenum">
               <a:rPr lang="zh-CN" altLang="en-US" smtClean="0"/>
               <a:t>‹#›</a:t>
             </a:fld>
@@ -2438,7 +2438,7 @@
     </p:spTree>
     <p:extLst>
       <p:ext uri="{BB962C8B-B14F-4D97-AF65-F5344CB8AC3E}">
-        <p14:creationId xmlns:p14="http://schemas.microsoft.com/office/powerpoint/2010/main" val="1531512682"/>
+        <p14:creationId xmlns:p14="http://schemas.microsoft.com/office/powerpoint/2010/main" val="2209742483"/>
       </p:ext>
     </p:extLst>
   </p:cSld>
@@ -2470,7 +2470,7 @@
           <p:cNvPr id="2" name="标题 1">
             <a:extLst>
               <a:ext uri="{FF2B5EF4-FFF2-40B4-BE49-F238E27FC236}">
-                <a16:creationId xmlns:a16="http://schemas.microsoft.com/office/drawing/2014/main" id="{642713CB-9390-914D-C9C6-4227C5FEC3FA}"/>
+                <a16:creationId xmlns:a16="http://schemas.microsoft.com/office/drawing/2014/main" id="{91AFF14D-AC65-2412-F7BD-975607597FC9}"/>
               </a:ext>
             </a:extLst>
           </p:cNvPr>
@@ -2507,7 +2507,7 @@
           <p:cNvPr id="3" name="图片占位符 2">
             <a:extLst>
               <a:ext uri="{FF2B5EF4-FFF2-40B4-BE49-F238E27FC236}">
-                <a16:creationId xmlns:a16="http://schemas.microsoft.com/office/drawing/2014/main" id="{B8845B22-A3B5-88A6-EA48-644FE0164EAC}"/>
+                <a16:creationId xmlns:a16="http://schemas.microsoft.com/office/drawing/2014/main" id="{3E5B8461-E8D9-D083-3DC2-5365D71292D3}"/>
               </a:ext>
             </a:extLst>
           </p:cNvPr>
@@ -2574,7 +2574,7 @@
           <p:cNvPr id="4" name="文本占位符 3">
             <a:extLst>
               <a:ext uri="{FF2B5EF4-FFF2-40B4-BE49-F238E27FC236}">
-                <a16:creationId xmlns:a16="http://schemas.microsoft.com/office/drawing/2014/main" id="{7C042E4E-50F5-D258-9B6D-8CC56A2C3508}"/>
+                <a16:creationId xmlns:a16="http://schemas.microsoft.com/office/drawing/2014/main" id="{81273055-B368-D41D-1948-A8D85A4B6918}"/>
               </a:ext>
             </a:extLst>
           </p:cNvPr>
@@ -2645,7 +2645,7 @@
           <p:cNvPr id="5" name="日期占位符 4">
             <a:extLst>
               <a:ext uri="{FF2B5EF4-FFF2-40B4-BE49-F238E27FC236}">
-                <a16:creationId xmlns:a16="http://schemas.microsoft.com/office/drawing/2014/main" id="{B6F533FE-371D-EAAA-B373-ABC41CA0D7FD}"/>
+                <a16:creationId xmlns:a16="http://schemas.microsoft.com/office/drawing/2014/main" id="{D62FBD11-39DA-42DC-9E7A-8725D2CBAFEF}"/>
               </a:ext>
             </a:extLst>
           </p:cNvPr>
@@ -2661,7 +2661,7 @@
           <a:bodyPr/>
           <a:lstStyle/>
           <a:p>
-            <a:fld id="{4BCD6AC4-AAE9-4E89-B260-936F8E47EFC8}" type="datetimeFigureOut">
+            <a:fld id="{67151145-EEB1-4F96-91B0-80295A70C431}" type="datetimeFigureOut">
               <a:rPr lang="zh-CN" altLang="en-US" smtClean="0"/>
               <a:t>2024/3/10</a:t>
             </a:fld>
@@ -2674,7 +2674,7 @@
           <p:cNvPr id="6" name="页脚占位符 5">
             <a:extLst>
               <a:ext uri="{FF2B5EF4-FFF2-40B4-BE49-F238E27FC236}">
-                <a16:creationId xmlns:a16="http://schemas.microsoft.com/office/drawing/2014/main" id="{3A61D552-A798-F6C6-E3D8-B6F9FE5E2E76}"/>
+                <a16:creationId xmlns:a16="http://schemas.microsoft.com/office/drawing/2014/main" id="{C3838058-F992-BCDD-E228-B6181C9132FA}"/>
               </a:ext>
             </a:extLst>
           </p:cNvPr>
@@ -2699,7 +2699,7 @@
           <p:cNvPr id="7" name="灯片编号占位符 6">
             <a:extLst>
               <a:ext uri="{FF2B5EF4-FFF2-40B4-BE49-F238E27FC236}">
-                <a16:creationId xmlns:a16="http://schemas.microsoft.com/office/drawing/2014/main" id="{46C19BA7-4EED-ED46-F3C1-B23A7D2CB9D6}"/>
+                <a16:creationId xmlns:a16="http://schemas.microsoft.com/office/drawing/2014/main" id="{8646F555-A00E-0B45-194B-3DD7708D99A0}"/>
               </a:ext>
             </a:extLst>
           </p:cNvPr>
@@ -2715,7 +2715,7 @@
           <a:bodyPr/>
           <a:lstStyle/>
           <a:p>
-            <a:fld id="{B3EB4BBC-15E7-4DA4-B632-5EBA6383D660}" type="slidenum">
+            <a:fld id="{F903B255-4A6D-4C5C-9809-B1B02D34C377}" type="slidenum">
               <a:rPr lang="zh-CN" altLang="en-US" smtClean="0"/>
               <a:t>‹#›</a:t>
             </a:fld>
@@ -2726,7 +2726,7 @@
     </p:spTree>
     <p:extLst>
       <p:ext uri="{BB962C8B-B14F-4D97-AF65-F5344CB8AC3E}">
-        <p14:creationId xmlns:p14="http://schemas.microsoft.com/office/powerpoint/2010/main" val="267289681"/>
+        <p14:creationId xmlns:p14="http://schemas.microsoft.com/office/powerpoint/2010/main" val="2349292513"/>
       </p:ext>
     </p:extLst>
   </p:cSld>
@@ -2763,7 +2763,7 @@
           <p:cNvPr id="2" name="标题占位符 1">
             <a:extLst>
               <a:ext uri="{FF2B5EF4-FFF2-40B4-BE49-F238E27FC236}">
-                <a16:creationId xmlns:a16="http://schemas.microsoft.com/office/drawing/2014/main" id="{43EF5EDA-036C-034A-A14A-1D072917BB07}"/>
+                <a16:creationId xmlns:a16="http://schemas.microsoft.com/office/drawing/2014/main" id="{C2C33811-362E-C1D2-445E-EC2CB94138A9}"/>
               </a:ext>
             </a:extLst>
           </p:cNvPr>
@@ -2801,7 +2801,7 @@
           <p:cNvPr id="3" name="文本占位符 2">
             <a:extLst>
               <a:ext uri="{FF2B5EF4-FFF2-40B4-BE49-F238E27FC236}">
-                <a16:creationId xmlns:a16="http://schemas.microsoft.com/office/drawing/2014/main" id="{E6DB4B76-3DB5-D299-73B6-2724C1F1BABC}"/>
+                <a16:creationId xmlns:a16="http://schemas.microsoft.com/office/drawing/2014/main" id="{FFAF8AD1-994E-4B80-3272-AC8C7771D50E}"/>
               </a:ext>
             </a:extLst>
           </p:cNvPr>
@@ -2868,7 +2868,7 @@
           <p:cNvPr id="4" name="日期占位符 3">
             <a:extLst>
               <a:ext uri="{FF2B5EF4-FFF2-40B4-BE49-F238E27FC236}">
-                <a16:creationId xmlns:a16="http://schemas.microsoft.com/office/drawing/2014/main" id="{DF7918F8-1329-BCB5-536A-7F791817844E}"/>
+                <a16:creationId xmlns:a16="http://schemas.microsoft.com/office/drawing/2014/main" id="{A1FF45BD-3193-B4DB-4701-AC5F7A837795}"/>
               </a:ext>
             </a:extLst>
           </p:cNvPr>
@@ -2902,7 +2902,7 @@
             </a:lvl1pPr>
           </a:lstStyle>
           <a:p>
-            <a:fld id="{4BCD6AC4-AAE9-4E89-B260-936F8E47EFC8}" type="datetimeFigureOut">
+            <a:fld id="{67151145-EEB1-4F96-91B0-80295A70C431}" type="datetimeFigureOut">
               <a:rPr lang="zh-CN" altLang="en-US" smtClean="0"/>
               <a:t>2024/3/10</a:t>
             </a:fld>
@@ -2915,7 +2915,7 @@
           <p:cNvPr id="5" name="页脚占位符 4">
             <a:extLst>
               <a:ext uri="{FF2B5EF4-FFF2-40B4-BE49-F238E27FC236}">
-                <a16:creationId xmlns:a16="http://schemas.microsoft.com/office/drawing/2014/main" id="{B0F1B3B7-4452-FEE5-1396-BAE9C81F658F}"/>
+                <a16:creationId xmlns:a16="http://schemas.microsoft.com/office/drawing/2014/main" id="{ED652502-1D5D-A532-94FA-43F8253A4801}"/>
               </a:ext>
             </a:extLst>
           </p:cNvPr>
@@ -2958,7 +2958,7 @@
           <p:cNvPr id="6" name="灯片编号占位符 5">
             <a:extLst>
               <a:ext uri="{FF2B5EF4-FFF2-40B4-BE49-F238E27FC236}">
-                <a16:creationId xmlns:a16="http://schemas.microsoft.com/office/drawing/2014/main" id="{FB30435A-7356-DB06-9F99-00250569A5A3}"/>
+                <a16:creationId xmlns:a16="http://schemas.microsoft.com/office/drawing/2014/main" id="{A628313E-605A-0B94-41B6-ACDBAF14FD8D}"/>
               </a:ext>
             </a:extLst>
           </p:cNvPr>
@@ -2992,7 +2992,7 @@
             </a:lvl1pPr>
           </a:lstStyle>
           <a:p>
-            <a:fld id="{B3EB4BBC-15E7-4DA4-B632-5EBA6383D660}" type="slidenum">
+            <a:fld id="{F903B255-4A6D-4C5C-9809-B1B02D34C377}" type="slidenum">
               <a:rPr lang="zh-CN" altLang="en-US" smtClean="0"/>
               <a:t>‹#›</a:t>
             </a:fld>
@@ -3003,7 +3003,7 @@
     </p:spTree>
     <p:extLst>
       <p:ext uri="{BB962C8B-B14F-4D97-AF65-F5344CB8AC3E}">
-        <p14:creationId xmlns:p14="http://schemas.microsoft.com/office/powerpoint/2010/main" val="2800262644"/>
+        <p14:creationId xmlns:p14="http://schemas.microsoft.com/office/powerpoint/2010/main" val="3502045843"/>
       </p:ext>
     </p:extLst>
   </p:cSld>
@@ -3323,7 +3323,7 @@
       </p:grpSpPr>
       <p:pic>
         <p:nvPicPr>
-          <p:cNvPr id="684034" name="Picture 2" descr="667"/>
+          <p:cNvPr id="685058" name="Picture 2" descr="668"/>
           <p:cNvPicPr>
             <a:picLocks noChangeAspect="1" noChangeArrowheads="1"/>
           </p:cNvPicPr>
@@ -3375,158 +3375,11 @@
           </a:extLst>
         </p:spPr>
       </p:pic>
-      <p:pic>
-        <p:nvPicPr>
-          <p:cNvPr id="685059" name="Picture 3" descr="667-2"/>
-          <p:cNvPicPr>
-            <a:picLocks noChangeAspect="1" noChangeArrowheads="1"/>
-          </p:cNvPicPr>
-          <p:nvPr/>
-        </p:nvPicPr>
-        <p:blipFill>
-          <a:blip r:embed="rId3">
-            <a:extLst>
-              <a:ext uri="{28A0092B-C50C-407E-A947-70E740481C1C}">
-                <a14:useLocalDpi xmlns:a14="http://schemas.microsoft.com/office/drawing/2010/main" val="0"/>
-              </a:ext>
-            </a:extLst>
-          </a:blip>
-          <a:srcRect/>
-          <a:stretch>
-            <a:fillRect/>
-          </a:stretch>
-        </p:blipFill>
-        <p:spPr bwMode="auto">
-          <a:xfrm>
-            <a:off x="1524000" y="0"/>
-            <a:ext cx="9144000" cy="6858000"/>
-          </a:xfrm>
-          <a:prstGeom prst="rect">
-            <a:avLst/>
-          </a:prstGeom>
-          <a:noFill/>
-          <a:ln>
-            <a:noFill/>
-          </a:ln>
-          <a:effectLst/>
-          <a:extLst>
-            <a:ext uri="{909E8E84-426E-40DD-AFC4-6F175D3DCCD1}">
-              <a14:hiddenFill xmlns:a14="http://schemas.microsoft.com/office/drawing/2010/main">
-                <a:solidFill>
-                  <a:srgbClr val="FFFFFF"/>
-                </a:solidFill>
-              </a14:hiddenFill>
-            </a:ext>
-            <a:ext uri="{91240B29-F687-4F45-9708-019B960494DF}">
-              <a14:hiddenLine xmlns:a14="http://schemas.microsoft.com/office/drawing/2010/main" w="9525">
-                <a:solidFill>
-                  <a:srgbClr val="000000"/>
-                </a:solidFill>
-                <a:miter lim="800000"/>
-                <a:headEnd/>
-                <a:tailEnd/>
-              </a14:hiddenLine>
-            </a:ext>
-            <a:ext uri="{AF507438-7753-43E0-B8FC-AC1667EBCBE1}">
-              <a14:hiddenEffects xmlns:a14="http://schemas.microsoft.com/office/drawing/2010/main">
-                <a:effectLst>
-                  <a:outerShdw dist="35921" dir="2700000" algn="ctr" rotWithShape="0">
-                    <a:srgbClr val="808080"/>
-                  </a:outerShdw>
-                </a:effectLst>
-              </a14:hiddenEffects>
-            </a:ext>
-          </a:extLst>
-        </p:spPr>
-      </p:pic>
     </p:spTree>
   </p:cSld>
   <p:clrMapOvr>
     <a:masterClrMapping/>
   </p:clrMapOvr>
-  <p:timing>
-    <p:tnLst>
-      <p:par>
-        <p:cTn id="1" dur="indefinite" restart="never" nodeType="tmRoot">
-          <p:childTnLst>
-            <p:seq concurrent="1" nextAc="seek">
-              <p:cTn id="2" dur="indefinite" nodeType="mainSeq">
-                <p:childTnLst>
-                  <p:par>
-                    <p:cTn id="3" fill="hold" nodeType="clickPar">
-                      <p:stCondLst>
-                        <p:cond delay="indefinite"/>
-                      </p:stCondLst>
-                      <p:childTnLst>
-                        <p:par>
-                          <p:cTn id="4" fill="hold" nodeType="withGroup">
-                            <p:stCondLst>
-                              <p:cond delay="0"/>
-                            </p:stCondLst>
-                            <p:childTnLst>
-                              <p:par>
-                                <p:cTn id="5" presetID="10" presetClass="entr" presetSubtype="0" fill="hold" nodeType="clickEffect">
-                                  <p:stCondLst>
-                                    <p:cond delay="0"/>
-                                  </p:stCondLst>
-                                  <p:childTnLst>
-                                    <p:set>
-                                      <p:cBhvr>
-                                        <p:cTn id="6" dur="1" fill="hold">
-                                          <p:stCondLst>
-                                            <p:cond delay="0"/>
-                                          </p:stCondLst>
-                                        </p:cTn>
-                                        <p:tgtEl>
-                                          <p:spTgt spid="685059"/>
-                                        </p:tgtEl>
-                                        <p:attrNameLst>
-                                          <p:attrName>style.visibility</p:attrName>
-                                        </p:attrNameLst>
-                                      </p:cBhvr>
-                                      <p:to>
-                                        <p:strVal val="visible"/>
-                                      </p:to>
-                                    </p:set>
-                                    <p:animEffect transition="in" filter="fade">
-                                      <p:cBhvr>
-                                        <p:cTn id="7" dur="500"/>
-                                        <p:tgtEl>
-                                          <p:spTgt spid="685059"/>
-                                        </p:tgtEl>
-                                      </p:cBhvr>
-                                    </p:animEffect>
-                                  </p:childTnLst>
-                                </p:cTn>
-                              </p:par>
-                            </p:childTnLst>
-                          </p:cTn>
-                        </p:par>
-                      </p:childTnLst>
-                    </p:cTn>
-                  </p:par>
-                </p:childTnLst>
-              </p:cTn>
-              <p:prevCondLst>
-                <p:cond evt="onPrev" delay="0">
-                  <p:tgtEl>
-                    <p:sldTgt/>
-                  </p:tgtEl>
-                </p:cond>
-              </p:prevCondLst>
-              <p:nextCondLst>
-                <p:cond evt="onNext" delay="0">
-                  <p:tgtEl>
-                    <p:sldTgt/>
-                  </p:tgtEl>
-                </p:cond>
-              </p:nextCondLst>
-            </p:seq>
-          </p:childTnLst>
-        </p:cTn>
-      </p:par>
-    </p:tnLst>
-  </p:timing>
 </p:sld>
 </file>
 
